--- a/PyProject_Final.pptx
+++ b/PyProject_Final.pptx
@@ -6,15 +6,16 @@
     <p:sldMasterId id="2147483661" r:id="rId2"/>
   </p:sldMasterIdLst>
   <p:notesMasterIdLst>
-    <p:notesMasterId r:id="rId9"/>
+    <p:notesMasterId r:id="rId10"/>
   </p:notesMasterIdLst>
   <p:sldIdLst>
     <p:sldId id="256" r:id="rId3"/>
     <p:sldId id="257" r:id="rId4"/>
-    <p:sldId id="258" r:id="rId5"/>
-    <p:sldId id="259" r:id="rId6"/>
-    <p:sldId id="260" r:id="rId7"/>
-    <p:sldId id="261" r:id="rId8"/>
+    <p:sldId id="260" r:id="rId5"/>
+    <p:sldId id="258" r:id="rId6"/>
+    <p:sldId id="259" r:id="rId7"/>
+    <p:sldId id="262" r:id="rId8"/>
+    <p:sldId id="261" r:id="rId9"/>
   </p:sldIdLst>
   <p:sldSz cx="12192000" cy="6858000"/>
   <p:notesSz cx="6858000" cy="9144000"/>
@@ -113,6 +114,11 @@
       </a:defRPr>
     </a:lvl9pPr>
   </p:defaultTextStyle>
+  <p:extLst>
+    <p:ext uri="{EFAFB233-063F-42B5-8137-9DF3F51BA10A}">
+      <p15:sldGuideLst xmlns:p15="http://schemas.microsoft.com/office/powerpoint/2012/main"/>
+    </p:ext>
+  </p:extLst>
 </p:presentation>
 </file>
 
@@ -306,6 +312,11 @@
         </p:txBody>
       </p:sp>
     </p:spTree>
+    <p:extLst>
+      <p:ext uri="{BB962C8B-B14F-4D97-AF65-F5344CB8AC3E}">
+        <p14:creationId xmlns:p14="http://schemas.microsoft.com/office/powerpoint/2010/main" val="3118274616"/>
+      </p:ext>
+    </p:extLst>
   </p:cSld>
   <p:clrMap bg1="lt1" tx1="dk1" bg2="lt2" tx2="dk2" accent1="accent1" accent2="accent2" accent3="accent3" accent4="accent4" accent5="accent5" accent6="accent6" hlink="hlink" folHlink="folHlink"/>
   <p:notesStyle>
@@ -475,6 +486,11 @@
         </p:txBody>
       </p:sp>
     </p:spTree>
+    <p:extLst>
+      <p:ext uri="{BB962C8B-B14F-4D97-AF65-F5344CB8AC3E}">
+        <p14:creationId xmlns:p14="http://schemas.microsoft.com/office/powerpoint/2010/main" val="1393583337"/>
+      </p:ext>
+    </p:extLst>
   </p:cSld>
   <p:clrMapOvr>
     <a:masterClrMapping/>
@@ -590,6 +606,11 @@
         </p:txBody>
       </p:sp>
     </p:spTree>
+    <p:extLst>
+      <p:ext uri="{BB962C8B-B14F-4D97-AF65-F5344CB8AC3E}">
+        <p14:creationId xmlns:p14="http://schemas.microsoft.com/office/powerpoint/2010/main" val="3481318514"/>
+      </p:ext>
+    </p:extLst>
   </p:cSld>
   <p:clrMapOvr>
     <a:masterClrMapping/>
@@ -5130,16 +5151,7 @@
                 </a:solidFill>
                 <a:latin typeface="Calibri"/>
               </a:rPr>
-              <a:t>, </a:t>
-            </a:r>
-            <a:r>
-              <a:rPr lang="en-US" dirty="0">
-                <a:solidFill>
-                  <a:srgbClr val="000000"/>
-                </a:solidFill>
-                <a:latin typeface="Calibri"/>
-              </a:rPr>
-              <a:t>M</a:t>
+              <a:t>, M</a:t>
             </a:r>
             <a:r>
               <a:rPr lang="en-US" dirty="0" smtClean="0">
@@ -5216,122 +5228,60 @@
       </p:grpSpPr>
       <p:sp>
         <p:nvSpPr>
-          <p:cNvPr id="93" name="CustomShape 2"/>
-          <p:cNvSpPr/>
+          <p:cNvPr id="96" name="TextShape 1"/>
+          <p:cNvSpPr txBox="1"/>
           <p:nvPr/>
         </p:nvSpPr>
         <p:spPr>
           <a:xfrm>
-            <a:off x="95121" y="-13245"/>
-            <a:ext cx="10894320" cy="1674782"/>
-          </a:xfrm>
-          <a:prstGeom prst="rect">
-            <a:avLst/>
-          </a:prstGeom>
-          <a:noFill/>
-          <a:ln>
-            <a:noFill/>
-          </a:ln>
-        </p:spPr>
-        <p:txBody>
-          <a:bodyPr lIns="90000" tIns="45000" rIns="90000" bIns="45000"/>
-          <a:lstStyle/>
-          <a:p>
-            <a:pPr>
-              <a:lnSpc>
-                <a:spcPct val="100000"/>
-              </a:lnSpc>
-            </a:pPr>
+            <a:off x="120960" y="433060"/>
+            <a:ext cx="10966680" cy="949320"/>
+          </a:xfrm>
+          <a:prstGeom prst="rect">
+            <a:avLst/>
+          </a:prstGeom>
+        </p:spPr>
+        <p:txBody>
+          <a:bodyPr anchor="ctr"/>
+          <a:lstStyle/>
+          <a:p>
+            <a:endParaRPr lang="en-US" b="1" dirty="0" smtClean="0"/>
+          </a:p>
+          <a:p>
+            <a:endParaRPr lang="en-US" b="1" dirty="0"/>
+          </a:p>
+          <a:p>
+            <a:r>
+              <a:rPr lang="en-US" sz="2400" b="1" dirty="0" smtClean="0"/>
+              <a:t>Analysis </a:t>
+            </a:r>
+            <a:r>
+              <a:rPr lang="en-US" sz="2400" b="1" dirty="0"/>
+              <a:t>of a Particular Currency for a Specified Time </a:t>
+            </a:r>
+            <a:r>
+              <a:rPr lang="en-US" sz="2400" b="1" dirty="0" smtClean="0"/>
+              <a:t>Range</a:t>
+            </a:r>
+          </a:p>
+          <a:p>
             <a:endParaRPr lang="en-US" sz="2400" b="1" dirty="0"/>
           </a:p>
           <a:p>
-            <a:pPr>
-              <a:lnSpc>
-                <a:spcPct val="100000"/>
-              </a:lnSpc>
-            </a:pPr>
-            <a:r>
-              <a:rPr lang="en-US" sz="2400" b="1" dirty="0" smtClean="0"/>
-              <a:t>Change </a:t>
-            </a:r>
-            <a:r>
-              <a:rPr lang="en-US" sz="2400" b="1" dirty="0"/>
-              <a:t>in Value of Currency (Percentage) for Selected Year</a:t>
-            </a:r>
-            <a:endParaRPr sz="2400" dirty="0"/>
-          </a:p>
-          <a:p>
-            <a:pPr>
-              <a:lnSpc>
-                <a:spcPct val="100000"/>
-              </a:lnSpc>
-            </a:pPr>
-            <a:endParaRPr dirty="0"/>
-          </a:p>
-          <a:p>
-            <a:pPr>
-              <a:lnSpc>
-                <a:spcPct val="100000"/>
-              </a:lnSpc>
-            </a:pPr>
             <a:r>
               <a:rPr lang="en-US" dirty="0"/>
-              <a:t>Our First Data Analysis shows the fluctuation in prices of the currency pairs over a particular year. As you see in the figure 1 the x-axis shows the rate of one currency compared to the other over the period of a selected </a:t>
-            </a:r>
-            <a:r>
-              <a:rPr lang="en-US" dirty="0" smtClean="0"/>
-              <a:t>year</a:t>
-            </a:r>
-            <a:endParaRPr dirty="0"/>
-          </a:p>
-          <a:p>
-            <a:pPr>
-              <a:lnSpc>
-                <a:spcPct val="100000"/>
-              </a:lnSpc>
-            </a:pPr>
-            <a:endParaRPr dirty="0"/>
-          </a:p>
-          <a:p>
-            <a:pPr>
-              <a:lnSpc>
-                <a:spcPct val="100000"/>
-              </a:lnSpc>
-            </a:pPr>
-            <a:endParaRPr dirty="0"/>
-          </a:p>
-          <a:p>
-            <a:pPr>
-              <a:lnSpc>
-                <a:spcPct val="100000"/>
-              </a:lnSpc>
-            </a:pPr>
-            <a:endParaRPr dirty="0"/>
-          </a:p>
-          <a:p>
-            <a:pPr>
-              <a:lnSpc>
-                <a:spcPct val="100000"/>
-              </a:lnSpc>
-            </a:pPr>
-            <a:endParaRPr dirty="0"/>
-          </a:p>
-          <a:p>
-            <a:pPr>
-              <a:lnSpc>
-                <a:spcPct val="100000"/>
-              </a:lnSpc>
-            </a:pPr>
-            <a:endParaRPr dirty="0"/>
+              <a:t>Our third Data Analysis shows the fluctuation in prices of the particular currency pair over a selected range of years As you see in the figure 3 the x-axis shows the rate of one currency compared to the other over the period of a selected range. </a:t>
+            </a:r>
+          </a:p>
+          <a:p>
+            <a:endParaRPr lang="en-US" dirty="0"/>
           </a:p>
         </p:txBody>
       </p:sp>
       <p:pic>
         <p:nvPicPr>
-          <p:cNvPr id="1026" name="Picture 2" descr="op2"/>
-          <p:cNvPicPr>
-            <a:picLocks noChangeAspect="1" noChangeArrowheads="1"/>
-          </p:cNvPicPr>
+          <p:cNvPr id="5" name="Picture 4" descr="C:\Users\JamesBond\AppData\Local\Microsoft\Windows\INetCache\Content.Word\op1.png"/>
+          <p:cNvPicPr/>
           <p:nvPr/>
         </p:nvPicPr>
         <p:blipFill>
@@ -5349,8 +5299,8 @@
         </p:blipFill>
         <p:spPr bwMode="auto">
           <a:xfrm>
-            <a:off x="95121" y="1918009"/>
-            <a:ext cx="11903591" cy="4348975"/>
+            <a:off x="120960" y="1962149"/>
+            <a:ext cx="12071040" cy="4059509"/>
           </a:xfrm>
           <a:prstGeom prst="rect">
             <a:avLst/>
@@ -5359,25 +5309,6 @@
           <a:ln>
             <a:noFill/>
           </a:ln>
-          <a:extLst>
-            <a:ext uri="{909E8E84-426E-40DD-AFC4-6F175D3DCCD1}">
-              <a14:hiddenFill xmlns:a14="http://schemas.microsoft.com/office/drawing/2010/main">
-                <a:solidFill>
-                  <a:srgbClr val="FFFFFF"/>
-                </a:solidFill>
-              </a14:hiddenFill>
-            </a:ext>
-            <a:ext uri="{91240B29-F687-4F45-9708-019B960494DF}">
-              <a14:hiddenLine xmlns:a14="http://schemas.microsoft.com/office/drawing/2010/main" w="9525">
-                <a:solidFill>
-                  <a:srgbClr val="000000"/>
-                </a:solidFill>
-                <a:miter lim="800000"/>
-                <a:headEnd/>
-                <a:tailEnd/>
-              </a14:hiddenLine>
-            </a:ext>
-          </a:extLst>
         </p:spPr>
       </p:pic>
     </p:spTree>
@@ -5434,14 +5365,14 @@
       </p:grpSpPr>
       <p:sp>
         <p:nvSpPr>
-          <p:cNvPr id="95" name="CustomShape 2"/>
+          <p:cNvPr id="93" name="CustomShape 2"/>
           <p:cNvSpPr/>
           <p:nvPr/>
         </p:nvSpPr>
         <p:spPr>
           <a:xfrm>
-            <a:off x="99388" y="296881"/>
-            <a:ext cx="10941120" cy="1476167"/>
+            <a:off x="95121" y="-13245"/>
+            <a:ext cx="10894320" cy="1674782"/>
           </a:xfrm>
           <a:prstGeom prst="rect">
             <a:avLst/>
@@ -5460,14 +5391,7 @@
                 <a:spcPct val="100000"/>
               </a:lnSpc>
             </a:pPr>
-            <a:r>
-              <a:rPr lang="en-US" sz="2400" b="1" dirty="0"/>
-              <a:t>Consolidated Analysis of all the Currencies on Annual </a:t>
-            </a:r>
-            <a:r>
-              <a:rPr lang="en-US" sz="2400" b="1" dirty="0" smtClean="0"/>
-              <a:t>Basis</a:t>
-            </a:r>
+            <a:endParaRPr lang="en-US" sz="2400" b="1" dirty="0"/>
           </a:p>
           <a:p>
             <a:pPr>
@@ -5475,19 +5399,15 @@
                 <a:spcPct val="100000"/>
               </a:lnSpc>
             </a:pPr>
-            <a:endParaRPr lang="en-US" b="1" dirty="0"/>
-          </a:p>
-          <a:p>
-            <a:pPr>
-              <a:lnSpc>
-                <a:spcPct val="100000"/>
-              </a:lnSpc>
-            </a:pPr>
-            <a:r>
-              <a:rPr lang="en-US" dirty="0"/>
-              <a:t>Our Second Data Analysis shows the fluctuation in prices of the currency pairs over the range of years. As you see in the figure 2 it shows the consolidated view. The x-axis shows the rate of one currency compared to the other over the period years.</a:t>
-            </a:r>
-            <a:endParaRPr dirty="0"/>
+            <a:r>
+              <a:rPr lang="en-US" sz="2400" b="1" dirty="0" smtClean="0"/>
+              <a:t>Change </a:t>
+            </a:r>
+            <a:r>
+              <a:rPr lang="en-US" sz="2400" b="1" dirty="0"/>
+              <a:t>in Value of Currency (Percentage) for Selected Year</a:t>
+            </a:r>
+            <a:endParaRPr sz="2400" dirty="0"/>
           </a:p>
           <a:p>
             <a:pPr>
@@ -5503,14 +5423,64 @@
                 <a:spcPct val="100000"/>
               </a:lnSpc>
             </a:pPr>
+            <a:r>
+              <a:rPr lang="en-US" dirty="0"/>
+              <a:t>Our First Data Analysis shows the fluctuation in prices of the currency pairs over a particular year. As you see in the figure 1 the x-axis shows the rate of one currency compared to the other over the period of a selected </a:t>
+            </a:r>
+            <a:r>
+              <a:rPr lang="en-US" dirty="0" smtClean="0"/>
+              <a:t>year</a:t>
+            </a:r>
+            <a:endParaRPr dirty="0"/>
+          </a:p>
+          <a:p>
+            <a:pPr>
+              <a:lnSpc>
+                <a:spcPct val="100000"/>
+              </a:lnSpc>
+            </a:pPr>
+            <a:endParaRPr dirty="0"/>
+          </a:p>
+          <a:p>
+            <a:pPr>
+              <a:lnSpc>
+                <a:spcPct val="100000"/>
+              </a:lnSpc>
+            </a:pPr>
+            <a:endParaRPr dirty="0"/>
+          </a:p>
+          <a:p>
+            <a:pPr>
+              <a:lnSpc>
+                <a:spcPct val="100000"/>
+              </a:lnSpc>
+            </a:pPr>
+            <a:endParaRPr dirty="0"/>
+          </a:p>
+          <a:p>
+            <a:pPr>
+              <a:lnSpc>
+                <a:spcPct val="100000"/>
+              </a:lnSpc>
+            </a:pPr>
+            <a:endParaRPr dirty="0"/>
+          </a:p>
+          <a:p>
+            <a:pPr>
+              <a:lnSpc>
+                <a:spcPct val="100000"/>
+              </a:lnSpc>
+            </a:pPr>
             <a:endParaRPr dirty="0"/>
           </a:p>
         </p:txBody>
       </p:sp>
       <p:pic>
         <p:nvPicPr>
-          <p:cNvPr id="4" name="Picture 3" descr="C:\Users\JamesBond\AppData\Local\Microsoft\Windows\INetCache\Content.Word\figure_1.png"/>
-          <p:cNvPicPr/>
+          <p:cNvPr id="1026" name="Picture 2" descr="op2"/>
+          <p:cNvPicPr>
+            <a:picLocks noChangeAspect="1" noChangeArrowheads="1"/>
+          </p:cNvPicPr>
           <p:nvPr/>
         </p:nvPicPr>
         <p:blipFill>
@@ -5528,8 +5498,8 @@
         </p:blipFill>
         <p:spPr bwMode="auto">
           <a:xfrm>
-            <a:off x="99389" y="1895707"/>
-            <a:ext cx="11945732" cy="4348976"/>
+            <a:off x="95121" y="1918009"/>
+            <a:ext cx="11903591" cy="4348975"/>
           </a:xfrm>
           <a:prstGeom prst="rect">
             <a:avLst/>
@@ -5538,6 +5508,25 @@
           <a:ln>
             <a:noFill/>
           </a:ln>
+          <a:extLst>
+            <a:ext uri="{909E8E84-426E-40DD-AFC4-6F175D3DCCD1}">
+              <a14:hiddenFill xmlns:a14="http://schemas.microsoft.com/office/drawing/2010/main">
+                <a:solidFill>
+                  <a:srgbClr val="FFFFFF"/>
+                </a:solidFill>
+              </a14:hiddenFill>
+            </a:ext>
+            <a:ext uri="{91240B29-F687-4F45-9708-019B960494DF}">
+              <a14:hiddenLine xmlns:a14="http://schemas.microsoft.com/office/drawing/2010/main" w="9525">
+                <a:solidFill>
+                  <a:srgbClr val="000000"/>
+                </a:solidFill>
+                <a:miter lim="800000"/>
+                <a:headEnd/>
+                <a:tailEnd/>
+              </a14:hiddenLine>
+            </a:ext>
+          </a:extLst>
         </p:spPr>
       </p:pic>
     </p:spTree>
@@ -5594,59 +5583,82 @@
       </p:grpSpPr>
       <p:sp>
         <p:nvSpPr>
-          <p:cNvPr id="96" name="TextShape 1"/>
-          <p:cNvSpPr txBox="1"/>
+          <p:cNvPr id="95" name="CustomShape 2"/>
+          <p:cNvSpPr/>
           <p:nvPr/>
         </p:nvSpPr>
         <p:spPr>
           <a:xfrm>
-            <a:off x="120960" y="433060"/>
-            <a:ext cx="10966680" cy="949320"/>
-          </a:xfrm>
-          <a:prstGeom prst="rect">
-            <a:avLst/>
-          </a:prstGeom>
-        </p:spPr>
-        <p:txBody>
-          <a:bodyPr anchor="ctr"/>
-          <a:lstStyle/>
-          <a:p>
-            <a:endParaRPr lang="en-US" b="1" dirty="0" smtClean="0"/>
-          </a:p>
-          <a:p>
+            <a:off x="99388" y="296881"/>
+            <a:ext cx="10941120" cy="1476167"/>
+          </a:xfrm>
+          <a:prstGeom prst="rect">
+            <a:avLst/>
+          </a:prstGeom>
+          <a:noFill/>
+          <a:ln>
+            <a:noFill/>
+          </a:ln>
+        </p:spPr>
+        <p:txBody>
+          <a:bodyPr lIns="90000" tIns="45000" rIns="90000" bIns="45000"/>
+          <a:lstStyle/>
+          <a:p>
+            <a:pPr>
+              <a:lnSpc>
+                <a:spcPct val="100000"/>
+              </a:lnSpc>
+            </a:pPr>
+            <a:r>
+              <a:rPr lang="en-US" sz="2400" b="1" dirty="0"/>
+              <a:t>Consolidated Analysis of all the Currencies on Annual </a:t>
+            </a:r>
+            <a:r>
+              <a:rPr lang="en-US" sz="2400" b="1" dirty="0" smtClean="0"/>
+              <a:t>Basis</a:t>
+            </a:r>
+          </a:p>
+          <a:p>
+            <a:pPr>
+              <a:lnSpc>
+                <a:spcPct val="100000"/>
+              </a:lnSpc>
+            </a:pPr>
             <a:endParaRPr lang="en-US" b="1" dirty="0"/>
           </a:p>
           <a:p>
-            <a:r>
-              <a:rPr lang="en-US" sz="2400" b="1" dirty="0" smtClean="0"/>
-              <a:t>Analysis </a:t>
-            </a:r>
-            <a:r>
-              <a:rPr lang="en-US" sz="2400" b="1" dirty="0"/>
-              <a:t>of a Particular Currency for a Specified Time </a:t>
-            </a:r>
-            <a:r>
-              <a:rPr lang="en-US" sz="2400" b="1" dirty="0" smtClean="0"/>
-              <a:t>Range</a:t>
-            </a:r>
-          </a:p>
-          <a:p>
-            <a:endParaRPr lang="en-US" sz="2400" b="1" dirty="0"/>
-          </a:p>
-          <a:p>
+            <a:pPr>
+              <a:lnSpc>
+                <a:spcPct val="100000"/>
+              </a:lnSpc>
+            </a:pPr>
             <a:r>
               <a:rPr lang="en-US" dirty="0"/>
-              <a:t>Our third Data Analysis shows the fluctuation in prices of the particular currency pair over a selected range of years As you see in the figure 3 the x-axis shows the rate of one currency compared to the other over the period of a selected range. </a:t>
-            </a:r>
-          </a:p>
-          <a:p>
-            <a:endParaRPr lang="en-US" dirty="0"/>
+              <a:t>Our Second Data Analysis shows the fluctuation in prices of the currency pairs over the range of years. As you see in the figure 2 it shows the consolidated view. The x-axis shows the rate of one currency compared to the other over the period years.</a:t>
+            </a:r>
+            <a:endParaRPr dirty="0"/>
+          </a:p>
+          <a:p>
+            <a:pPr>
+              <a:lnSpc>
+                <a:spcPct val="100000"/>
+              </a:lnSpc>
+            </a:pPr>
+            <a:endParaRPr dirty="0"/>
+          </a:p>
+          <a:p>
+            <a:pPr>
+              <a:lnSpc>
+                <a:spcPct val="100000"/>
+              </a:lnSpc>
+            </a:pPr>
+            <a:endParaRPr dirty="0"/>
           </a:p>
         </p:txBody>
       </p:sp>
       <p:pic>
         <p:nvPicPr>
-          <p:cNvPr id="5" name="Picture 4" descr="C:\Users\JamesBond\AppData\Local\Microsoft\Windows\INetCache\Content.Word\op1.png"/>
+          <p:cNvPr id="4" name="Picture 3" descr="C:\Users\JamesBond\AppData\Local\Microsoft\Windows\INetCache\Content.Word\figure_1.png"/>
           <p:cNvPicPr/>
           <p:nvPr/>
         </p:nvPicPr>
@@ -5665,8 +5677,8 @@
         </p:blipFill>
         <p:spPr bwMode="auto">
           <a:xfrm>
-            <a:off x="120960" y="1962149"/>
-            <a:ext cx="12071040" cy="4059509"/>
+            <a:off x="99389" y="1895707"/>
+            <a:ext cx="11945732" cy="4348976"/>
           </a:xfrm>
           <a:prstGeom prst="rect">
             <a:avLst/>
@@ -5731,6 +5743,120 @@
       </p:grpSpPr>
       <p:sp>
         <p:nvSpPr>
+          <p:cNvPr id="2" name="Title 1"/>
+          <p:cNvSpPr>
+            <a:spLocks noGrp="1"/>
+          </p:cNvSpPr>
+          <p:nvPr>
+            <p:ph type="title"/>
+          </p:nvPr>
+        </p:nvSpPr>
+        <p:spPr/>
+        <p:txBody>
+          <a:bodyPr/>
+          <a:lstStyle/>
+          <a:p>
+            <a:r>
+              <a:rPr lang="en-US" dirty="0" smtClean="0"/>
+              <a:t>Flask</a:t>
+            </a:r>
+            <a:endParaRPr lang="en-US" dirty="0"/>
+          </a:p>
+        </p:txBody>
+      </p:sp>
+      <p:sp>
+        <p:nvSpPr>
+          <p:cNvPr id="3" name="Subtitle 2"/>
+          <p:cNvSpPr>
+            <a:spLocks noGrp="1"/>
+          </p:cNvSpPr>
+          <p:nvPr>
+            <p:ph type="subTitle"/>
+          </p:nvPr>
+        </p:nvSpPr>
+        <p:spPr>
+          <a:xfrm>
+            <a:off x="225720" y="1418760"/>
+            <a:ext cx="11739960" cy="1907280"/>
+          </a:xfrm>
+        </p:spPr>
+        <p:txBody>
+          <a:bodyPr/>
+          <a:lstStyle/>
+          <a:p>
+            <a:r>
+              <a:rPr lang="en-US" sz="1800" dirty="0" smtClean="0"/>
+              <a:t>Main program saves the plots in the Static folder </a:t>
+            </a:r>
+            <a:endParaRPr lang="en-US" sz="1800" dirty="0"/>
+          </a:p>
+          <a:p>
+            <a:r>
+              <a:rPr lang="en-US" sz="1800" dirty="0" smtClean="0"/>
+              <a:t>Display of graphs on </a:t>
+            </a:r>
+            <a:r>
+              <a:rPr lang="en-US" sz="1800" dirty="0" err="1" smtClean="0"/>
+              <a:t>localserver</a:t>
+            </a:r>
+            <a:r>
+              <a:rPr lang="en-US" sz="1800" dirty="0" smtClean="0"/>
+              <a:t> using Flask</a:t>
+            </a:r>
+          </a:p>
+          <a:p>
+            <a:r>
+              <a:rPr lang="en-US" sz="1800" dirty="0" smtClean="0"/>
+              <a:t>Standard HTML Page stored in the templates folder</a:t>
+            </a:r>
+          </a:p>
+          <a:p>
+            <a:r>
+              <a:rPr lang="en-US" sz="1800" dirty="0" smtClean="0"/>
+              <a:t>This HTML accesses the images from the Static folder </a:t>
+            </a:r>
+            <a:endParaRPr lang="en-US" sz="1800" dirty="0"/>
+          </a:p>
+          <a:p>
+            <a:r>
+              <a:rPr lang="en-US" sz="1800" dirty="0" smtClean="0"/>
+              <a:t>Auto refresh for 10 seconds </a:t>
+            </a:r>
+          </a:p>
+        </p:txBody>
+      </p:sp>
+    </p:spTree>
+    <p:extLst>
+      <p:ext uri="{BB962C8B-B14F-4D97-AF65-F5344CB8AC3E}">
+        <p14:creationId xmlns:p14="http://schemas.microsoft.com/office/powerpoint/2010/main" val="948057662"/>
+      </p:ext>
+    </p:extLst>
+  </p:cSld>
+  <p:clrMapOvr>
+    <a:masterClrMapping/>
+  </p:clrMapOvr>
+</p:sld>
+</file>
+
+<file path=ppt/slides/slide7.xml><?xml version="1.0" encoding="utf-8"?>
+<p:sld xmlns:a="http://schemas.openxmlformats.org/drawingml/2006/main" xmlns:r="http://schemas.openxmlformats.org/officeDocument/2006/relationships" xmlns:p="http://schemas.openxmlformats.org/presentationml/2006/main">
+  <p:cSld>
+    <p:spTree>
+      <p:nvGrpSpPr>
+        <p:cNvPr id="1" name=""/>
+        <p:cNvGrpSpPr/>
+        <p:nvPr/>
+      </p:nvGrpSpPr>
+      <p:grpSpPr>
+        <a:xfrm>
+          <a:off x="0" y="0"/>
+          <a:ext cx="0" cy="0"/>
+          <a:chOff x="0" y="0"/>
+          <a:chExt cx="0" cy="0"/>
+        </a:xfrm>
+      </p:grpSpPr>
+      <p:sp>
+        <p:nvSpPr>
           <p:cNvPr id="98" name="TextShape 1"/>
           <p:cNvSpPr txBox="1"/>
           <p:nvPr/>
@@ -5797,7 +5923,7 @@
                 </a:solidFill>
                 <a:latin typeface="Century Gothic"/>
               </a:rPr>
-              <a:t>6</a:t>
+              <a:t>7</a:t>
             </a:fld>
             <a:endParaRPr/>
           </a:p>
